--- a/Lightweight assistive technology.pptx
+++ b/Lightweight assistive technology.pptx
@@ -12,7 +12,10 @@
     <p:sldId id="258" r:id="rId6"/>
     <p:sldId id="263" r:id="rId7"/>
     <p:sldId id="262" r:id="rId8"/>
-    <p:sldId id="259" r:id="rId9"/>
+    <p:sldId id="264" r:id="rId9"/>
+    <p:sldId id="265" r:id="rId10"/>
+    <p:sldId id="266" r:id="rId11"/>
+    <p:sldId id="259" r:id="rId12"/>
   </p:sldIdLst>
   <p:sldSz cx="12192000" cy="6858000"/>
   <p:notesSz cx="6858000" cy="9144000"/>
@@ -4091,6 +4094,460 @@
     <p:extLst>
       <p:ext uri="{BB962C8B-B14F-4D97-AF65-F5344CB8AC3E}">
         <p14:creationId xmlns:p14="http://schemas.microsoft.com/office/powerpoint/2010/main" val="3786177174"/>
+      </p:ext>
+    </p:extLst>
+  </p:cSld>
+  <p:clrMapOvr>
+    <a:masterClrMapping/>
+  </p:clrMapOvr>
+</p:sld>
+</file>
+
+<file path=ppt/slides/slide10.xml><?xml version="1.0" encoding="utf-8"?>
+<p:sld xmlns:a="http://schemas.openxmlformats.org/drawingml/2006/main" xmlns:r="http://schemas.openxmlformats.org/officeDocument/2006/relationships" xmlns:p="http://schemas.openxmlformats.org/presentationml/2006/main">
+  <p:cSld>
+    <p:spTree>
+      <p:nvGrpSpPr>
+        <p:cNvPr id="1" name=""/>
+        <p:cNvGrpSpPr/>
+        <p:nvPr/>
+      </p:nvGrpSpPr>
+      <p:grpSpPr>
+        <a:xfrm>
+          <a:off x="0" y="0"/>
+          <a:ext cx="0" cy="0"/>
+          <a:chOff x="0" y="0"/>
+          <a:chExt cx="0" cy="0"/>
+        </a:xfrm>
+      </p:grpSpPr>
+      <p:sp>
+        <p:nvSpPr>
+          <p:cNvPr id="2" name="Title 1">
+            <a:extLst>
+              <a:ext uri="{FF2B5EF4-FFF2-40B4-BE49-F238E27FC236}">
+                <a16:creationId xmlns:a16="http://schemas.microsoft.com/office/drawing/2014/main" id="{811A7DF4-6EC1-4EFB-A0B5-E8DC8EFB46B1}"/>
+              </a:ext>
+            </a:extLst>
+          </p:cNvPr>
+          <p:cNvSpPr>
+            <a:spLocks noGrp="1"/>
+          </p:cNvSpPr>
+          <p:nvPr>
+            <p:ph type="title"/>
+          </p:nvPr>
+        </p:nvSpPr>
+        <p:spPr/>
+        <p:txBody>
+          <a:bodyPr/>
+          <a:lstStyle/>
+          <a:p>
+            <a:r>
+              <a:rPr lang="en-US" dirty="0"/>
+              <a:t>Sample data</a:t>
+            </a:r>
+          </a:p>
+        </p:txBody>
+      </p:sp>
+      <p:sp>
+        <p:nvSpPr>
+          <p:cNvPr id="3" name="Content Placeholder 2">
+            <a:extLst>
+              <a:ext uri="{FF2B5EF4-FFF2-40B4-BE49-F238E27FC236}">
+                <a16:creationId xmlns:a16="http://schemas.microsoft.com/office/drawing/2014/main" id="{71328CC3-2871-4A60-91B0-F7DF1647B3F5}"/>
+              </a:ext>
+            </a:extLst>
+          </p:cNvPr>
+          <p:cNvSpPr>
+            <a:spLocks noGrp="1"/>
+          </p:cNvSpPr>
+          <p:nvPr>
+            <p:ph idx="1"/>
+          </p:nvPr>
+        </p:nvSpPr>
+        <p:spPr/>
+        <p:txBody>
+          <a:bodyPr/>
+          <a:lstStyle/>
+          <a:p>
+            <a:r>
+              <a:rPr lang="en-US" dirty="0"/>
+              <a:t>Uses exponentially weighted moving averages</a:t>
+            </a:r>
+          </a:p>
+          <a:p>
+            <a:r>
+              <a:rPr lang="en-US" dirty="0"/>
+              <a:t>XXX</a:t>
+            </a:r>
+          </a:p>
+        </p:txBody>
+      </p:sp>
+    </p:spTree>
+    <p:extLst>
+      <p:ext uri="{BB962C8B-B14F-4D97-AF65-F5344CB8AC3E}">
+        <p14:creationId xmlns:p14="http://schemas.microsoft.com/office/powerpoint/2010/main" val="1995289379"/>
+      </p:ext>
+    </p:extLst>
+  </p:cSld>
+  <p:clrMapOvr>
+    <a:masterClrMapping/>
+  </p:clrMapOvr>
+</p:sld>
+</file>
+
+<file path=ppt/slides/slide11.xml><?xml version="1.0" encoding="utf-8"?>
+<p:sld xmlns:a="http://schemas.openxmlformats.org/drawingml/2006/main" xmlns:r="http://schemas.openxmlformats.org/officeDocument/2006/relationships" xmlns:p="http://schemas.openxmlformats.org/presentationml/2006/main">
+  <p:cSld>
+    <p:spTree>
+      <p:nvGrpSpPr>
+        <p:cNvPr id="1" name=""/>
+        <p:cNvGrpSpPr/>
+        <p:nvPr/>
+      </p:nvGrpSpPr>
+      <p:grpSpPr>
+        <a:xfrm>
+          <a:off x="0" y="0"/>
+          <a:ext cx="0" cy="0"/>
+          <a:chOff x="0" y="0"/>
+          <a:chExt cx="0" cy="0"/>
+        </a:xfrm>
+      </p:grpSpPr>
+      <p:sp>
+        <p:nvSpPr>
+          <p:cNvPr id="2" name="Title 1">
+            <a:extLst>
+              <a:ext uri="{FF2B5EF4-FFF2-40B4-BE49-F238E27FC236}">
+                <a16:creationId xmlns:a16="http://schemas.microsoft.com/office/drawing/2014/main" id="{A12F220E-0918-45FD-B1B4-1FE6FD9A2F49}"/>
+              </a:ext>
+            </a:extLst>
+          </p:cNvPr>
+          <p:cNvSpPr>
+            <a:spLocks noGrp="1"/>
+          </p:cNvSpPr>
+          <p:nvPr>
+            <p:ph type="title"/>
+          </p:nvPr>
+        </p:nvSpPr>
+        <p:spPr/>
+        <p:txBody>
+          <a:bodyPr/>
+          <a:lstStyle/>
+          <a:p>
+            <a:endParaRPr lang="en-US"/>
+          </a:p>
+        </p:txBody>
+      </p:sp>
+      <p:sp>
+        <p:nvSpPr>
+          <p:cNvPr id="3" name="Content Placeholder 2">
+            <a:extLst>
+              <a:ext uri="{FF2B5EF4-FFF2-40B4-BE49-F238E27FC236}">
+                <a16:creationId xmlns:a16="http://schemas.microsoft.com/office/drawing/2014/main" id="{13A1FD2C-B5BC-4314-BB38-DFA35E7F98DE}"/>
+              </a:ext>
+            </a:extLst>
+          </p:cNvPr>
+          <p:cNvSpPr>
+            <a:spLocks noGrp="1"/>
+          </p:cNvSpPr>
+          <p:nvPr>
+            <p:ph idx="1"/>
+          </p:nvPr>
+        </p:nvSpPr>
+        <p:spPr/>
+        <p:txBody>
+          <a:bodyPr/>
+          <a:lstStyle/>
+          <a:p>
+            <a:endParaRPr lang="en-US"/>
+          </a:p>
+        </p:txBody>
+      </p:sp>
+      <p:pic>
+        <p:nvPicPr>
+          <p:cNvPr id="4" name="Picture 2">
+            <a:extLst>
+              <a:ext uri="{FF2B5EF4-FFF2-40B4-BE49-F238E27FC236}">
+                <a16:creationId xmlns:a16="http://schemas.microsoft.com/office/drawing/2014/main" id="{4E98B246-8F54-4250-A7CE-C2BAFA189F3B}"/>
+              </a:ext>
+            </a:extLst>
+          </p:cNvPr>
+          <p:cNvPicPr>
+            <a:picLocks noChangeAspect="1" noChangeArrowheads="1"/>
+          </p:cNvPicPr>
+          <p:nvPr/>
+        </p:nvPicPr>
+        <p:blipFill>
+          <a:blip r:embed="rId2">
+            <a:extLst>
+              <a:ext uri="{28A0092B-C50C-407E-A947-70E740481C1C}">
+                <a14:useLocalDpi xmlns:a14="http://schemas.microsoft.com/office/drawing/2010/main" val="0"/>
+              </a:ext>
+            </a:extLst>
+          </a:blip>
+          <a:srcRect/>
+          <a:stretch>
+            <a:fillRect/>
+          </a:stretch>
+        </p:blipFill>
+        <p:spPr bwMode="auto">
+          <a:xfrm>
+            <a:off x="7071577" y="1419445"/>
+            <a:ext cx="4440956" cy="3323705"/>
+          </a:xfrm>
+          <a:prstGeom prst="rect">
+            <a:avLst/>
+          </a:prstGeom>
+          <a:noFill/>
+          <a:extLst>
+            <a:ext uri="{909E8E84-426E-40DD-AFC4-6F175D3DCCD1}">
+              <a14:hiddenFill xmlns:a14="http://schemas.microsoft.com/office/drawing/2010/main">
+                <a:solidFill>
+                  <a:srgbClr val="FFFFFF"/>
+                </a:solidFill>
+              </a14:hiddenFill>
+            </a:ext>
+          </a:extLst>
+        </p:spPr>
+      </p:pic>
+      <p:pic>
+        <p:nvPicPr>
+          <p:cNvPr id="5" name="Picture 4">
+            <a:extLst>
+              <a:ext uri="{FF2B5EF4-FFF2-40B4-BE49-F238E27FC236}">
+                <a16:creationId xmlns:a16="http://schemas.microsoft.com/office/drawing/2014/main" id="{491AB818-1249-4897-A664-E8EB363814E7}"/>
+              </a:ext>
+            </a:extLst>
+          </p:cNvPr>
+          <p:cNvPicPr>
+            <a:picLocks noChangeAspect="1" noChangeArrowheads="1"/>
+          </p:cNvPicPr>
+          <p:nvPr/>
+        </p:nvPicPr>
+        <p:blipFill>
+          <a:blip r:embed="rId3">
+            <a:extLst>
+              <a:ext uri="{28A0092B-C50C-407E-A947-70E740481C1C}">
+                <a14:useLocalDpi xmlns:a14="http://schemas.microsoft.com/office/drawing/2010/main" val="0"/>
+              </a:ext>
+            </a:extLst>
+          </a:blip>
+          <a:srcRect/>
+          <a:stretch>
+            <a:fillRect/>
+          </a:stretch>
+        </p:blipFill>
+        <p:spPr bwMode="auto">
+          <a:xfrm>
+            <a:off x="1298592" y="3429000"/>
+            <a:ext cx="4457700" cy="3343275"/>
+          </a:xfrm>
+          <a:prstGeom prst="rect">
+            <a:avLst/>
+          </a:prstGeom>
+          <a:noFill/>
+          <a:extLst>
+            <a:ext uri="{909E8E84-426E-40DD-AFC4-6F175D3DCCD1}">
+              <a14:hiddenFill xmlns:a14="http://schemas.microsoft.com/office/drawing/2010/main">
+                <a:solidFill>
+                  <a:srgbClr val="FFFFFF"/>
+                </a:solidFill>
+              </a14:hiddenFill>
+            </a:ext>
+          </a:extLst>
+        </p:spPr>
+      </p:pic>
+      <p:pic>
+        <p:nvPicPr>
+          <p:cNvPr id="6" name="Picture 6">
+            <a:extLst>
+              <a:ext uri="{FF2B5EF4-FFF2-40B4-BE49-F238E27FC236}">
+                <a16:creationId xmlns:a16="http://schemas.microsoft.com/office/drawing/2014/main" id="{FC888C7C-F98C-4FF2-8425-940171A95DF8}"/>
+              </a:ext>
+            </a:extLst>
+          </p:cNvPr>
+          <p:cNvPicPr>
+            <a:picLocks noChangeAspect="1" noChangeArrowheads="1"/>
+          </p:cNvPicPr>
+          <p:nvPr/>
+        </p:nvPicPr>
+        <p:blipFill>
+          <a:blip r:embed="rId4">
+            <a:extLst>
+              <a:ext uri="{28A0092B-C50C-407E-A947-70E740481C1C}">
+                <a14:useLocalDpi xmlns:a14="http://schemas.microsoft.com/office/drawing/2010/main" val="0"/>
+              </a:ext>
+            </a:extLst>
+          </a:blip>
+          <a:srcRect/>
+          <a:stretch>
+            <a:fillRect/>
+          </a:stretch>
+        </p:blipFill>
+        <p:spPr bwMode="auto">
+          <a:xfrm>
+            <a:off x="2354598" y="1244781"/>
+            <a:ext cx="4208446" cy="3156335"/>
+          </a:xfrm>
+          <a:prstGeom prst="rect">
+            <a:avLst/>
+          </a:prstGeom>
+          <a:noFill/>
+          <a:extLst>
+            <a:ext uri="{909E8E84-426E-40DD-AFC4-6F175D3DCCD1}">
+              <a14:hiddenFill xmlns:a14="http://schemas.microsoft.com/office/drawing/2010/main">
+                <a:solidFill>
+                  <a:srgbClr val="FFFFFF"/>
+                </a:solidFill>
+              </a14:hiddenFill>
+            </a:ext>
+          </a:extLst>
+        </p:spPr>
+      </p:pic>
+      <p:pic>
+        <p:nvPicPr>
+          <p:cNvPr id="7" name="Picture 8">
+            <a:extLst>
+              <a:ext uri="{FF2B5EF4-FFF2-40B4-BE49-F238E27FC236}">
+                <a16:creationId xmlns:a16="http://schemas.microsoft.com/office/drawing/2014/main" id="{594307F0-4D38-4430-8779-83CA6C42ED73}"/>
+              </a:ext>
+            </a:extLst>
+          </p:cNvPr>
+          <p:cNvPicPr>
+            <a:picLocks noChangeAspect="1" noChangeArrowheads="1"/>
+          </p:cNvPicPr>
+          <p:nvPr/>
+        </p:nvPicPr>
+        <p:blipFill>
+          <a:blip r:embed="rId5">
+            <a:extLst>
+              <a:ext uri="{28A0092B-C50C-407E-A947-70E740481C1C}">
+                <a14:useLocalDpi xmlns:a14="http://schemas.microsoft.com/office/drawing/2010/main" val="0"/>
+              </a:ext>
+            </a:extLst>
+          </a:blip>
+          <a:srcRect/>
+          <a:stretch>
+            <a:fillRect/>
+          </a:stretch>
+        </p:blipFill>
+        <p:spPr bwMode="auto">
+          <a:xfrm>
+            <a:off x="679467" y="760666"/>
+            <a:ext cx="5076825" cy="6772275"/>
+          </a:xfrm>
+          <a:prstGeom prst="rect">
+            <a:avLst/>
+          </a:prstGeom>
+          <a:noFill/>
+          <a:extLst>
+            <a:ext uri="{909E8E84-426E-40DD-AFC4-6F175D3DCCD1}">
+              <a14:hiddenFill xmlns:a14="http://schemas.microsoft.com/office/drawing/2010/main">
+                <a:solidFill>
+                  <a:srgbClr val="FFFFFF"/>
+                </a:solidFill>
+              </a14:hiddenFill>
+            </a:ext>
+          </a:extLst>
+        </p:spPr>
+      </p:pic>
+      <p:pic>
+        <p:nvPicPr>
+          <p:cNvPr id="8" name="Picture 10">
+            <a:extLst>
+              <a:ext uri="{FF2B5EF4-FFF2-40B4-BE49-F238E27FC236}">
+                <a16:creationId xmlns:a16="http://schemas.microsoft.com/office/drawing/2014/main" id="{F5EDC8B0-D1A0-4AEA-B174-BA9B0C8FF856}"/>
+              </a:ext>
+            </a:extLst>
+          </p:cNvPr>
+          <p:cNvPicPr>
+            <a:picLocks noChangeAspect="1" noChangeArrowheads="1"/>
+          </p:cNvPicPr>
+          <p:nvPr/>
+        </p:nvPicPr>
+        <p:blipFill>
+          <a:blip r:embed="rId6">
+            <a:extLst>
+              <a:ext uri="{28A0092B-C50C-407E-A947-70E740481C1C}">
+                <a14:useLocalDpi xmlns:a14="http://schemas.microsoft.com/office/drawing/2010/main" val="0"/>
+              </a:ext>
+            </a:extLst>
+          </a:blip>
+          <a:srcRect/>
+          <a:stretch>
+            <a:fillRect/>
+          </a:stretch>
+        </p:blipFill>
+        <p:spPr bwMode="auto">
+          <a:xfrm>
+            <a:off x="3782889" y="4568989"/>
+            <a:ext cx="4626222" cy="3462362"/>
+          </a:xfrm>
+          <a:prstGeom prst="rect">
+            <a:avLst/>
+          </a:prstGeom>
+          <a:noFill/>
+          <a:extLst>
+            <a:ext uri="{909E8E84-426E-40DD-AFC4-6F175D3DCCD1}">
+              <a14:hiddenFill xmlns:a14="http://schemas.microsoft.com/office/drawing/2010/main">
+                <a:solidFill>
+                  <a:srgbClr val="FFFFFF"/>
+                </a:solidFill>
+              </a14:hiddenFill>
+            </a:ext>
+          </a:extLst>
+        </p:spPr>
+      </p:pic>
+      <p:pic>
+        <p:nvPicPr>
+          <p:cNvPr id="9" name="Picture 12">
+            <a:extLst>
+              <a:ext uri="{FF2B5EF4-FFF2-40B4-BE49-F238E27FC236}">
+                <a16:creationId xmlns:a16="http://schemas.microsoft.com/office/drawing/2014/main" id="{A072C3E1-3281-4BAB-8FBF-4DBA7ABA1CDD}"/>
+              </a:ext>
+            </a:extLst>
+          </p:cNvPr>
+          <p:cNvPicPr>
+            <a:picLocks noChangeAspect="1" noChangeArrowheads="1"/>
+          </p:cNvPicPr>
+          <p:nvPr/>
+        </p:nvPicPr>
+        <p:blipFill>
+          <a:blip r:embed="rId6">
+            <a:extLst>
+              <a:ext uri="{28A0092B-C50C-407E-A947-70E740481C1C}">
+                <a14:useLocalDpi xmlns:a14="http://schemas.microsoft.com/office/drawing/2010/main" val="0"/>
+              </a:ext>
+            </a:extLst>
+          </a:blip>
+          <a:srcRect/>
+          <a:stretch>
+            <a:fillRect/>
+          </a:stretch>
+        </p:blipFill>
+        <p:spPr bwMode="auto">
+          <a:xfrm>
+            <a:off x="7214957" y="5313145"/>
+            <a:ext cx="4626222" cy="3462362"/>
+          </a:xfrm>
+          <a:prstGeom prst="rect">
+            <a:avLst/>
+          </a:prstGeom>
+          <a:noFill/>
+          <a:extLst>
+            <a:ext uri="{909E8E84-426E-40DD-AFC4-6F175D3DCCD1}">
+              <a14:hiddenFill xmlns:a14="http://schemas.microsoft.com/office/drawing/2010/main">
+                <a:solidFill>
+                  <a:srgbClr val="FFFFFF"/>
+                </a:solidFill>
+              </a14:hiddenFill>
+            </a:ext>
+          </a:extLst>
+        </p:spPr>
+      </p:pic>
+    </p:spTree>
+    <p:extLst>
+      <p:ext uri="{BB962C8B-B14F-4D97-AF65-F5344CB8AC3E}">
+        <p14:creationId xmlns:p14="http://schemas.microsoft.com/office/powerpoint/2010/main" val="4130858359"/>
       </p:ext>
     </p:extLst>
   </p:cSld>
@@ -10421,7 +10878,7 @@
           <p:cNvPr id="2" name="Title 1">
             <a:extLst>
               <a:ext uri="{FF2B5EF4-FFF2-40B4-BE49-F238E27FC236}">
-                <a16:creationId xmlns:a16="http://schemas.microsoft.com/office/drawing/2014/main" id="{A12F220E-0918-45FD-B1B4-1FE6FD9A2F49}"/>
+                <a16:creationId xmlns:a16="http://schemas.microsoft.com/office/drawing/2014/main" id="{B87B1F30-2BE9-463B-BE8A-D82D2EB11E54}"/>
               </a:ext>
             </a:extLst>
           </p:cNvPr>
@@ -10437,7 +10894,10 @@
           <a:bodyPr/>
           <a:lstStyle/>
           <a:p>
-            <a:endParaRPr lang="en-US"/>
+            <a:r>
+              <a:rPr lang="en-US" dirty="0"/>
+              <a:t>Gestures tested</a:t>
+            </a:r>
           </a:p>
         </p:txBody>
       </p:sp>
@@ -10446,7 +10906,7 @@
           <p:cNvPr id="3" name="Content Placeholder 2">
             <a:extLst>
               <a:ext uri="{FF2B5EF4-FFF2-40B4-BE49-F238E27FC236}">
-                <a16:creationId xmlns:a16="http://schemas.microsoft.com/office/drawing/2014/main" id="{13A1FD2C-B5BC-4314-BB38-DFA35E7F98DE}"/>
+                <a16:creationId xmlns:a16="http://schemas.microsoft.com/office/drawing/2014/main" id="{97A34201-7469-49D8-86B3-580F713A8F3F}"/>
               </a:ext>
             </a:extLst>
           </p:cNvPr>
@@ -10462,296 +10922,133 @@
           <a:bodyPr/>
           <a:lstStyle/>
           <a:p>
-            <a:endParaRPr lang="en-US"/>
+            <a:r>
+              <a:rPr lang="en-US" dirty="0"/>
+              <a:t>Extend</a:t>
+            </a:r>
+          </a:p>
+          <a:p>
+            <a:r>
+              <a:rPr lang="en-US" dirty="0"/>
+              <a:t>Fist</a:t>
+            </a:r>
+          </a:p>
+          <a:p>
+            <a:r>
+              <a:rPr lang="en-US" dirty="0"/>
+              <a:t>One</a:t>
+            </a:r>
+          </a:p>
+          <a:p>
+            <a:r>
+              <a:rPr lang="en-US" dirty="0"/>
+              <a:t>Two </a:t>
+            </a:r>
           </a:p>
         </p:txBody>
       </p:sp>
-      <p:pic>
-        <p:nvPicPr>
-          <p:cNvPr id="4" name="Picture 2">
+    </p:spTree>
+    <p:extLst>
+      <p:ext uri="{BB962C8B-B14F-4D97-AF65-F5344CB8AC3E}">
+        <p14:creationId xmlns:p14="http://schemas.microsoft.com/office/powerpoint/2010/main" val="2106210002"/>
+      </p:ext>
+    </p:extLst>
+  </p:cSld>
+  <p:clrMapOvr>
+    <a:masterClrMapping/>
+  </p:clrMapOvr>
+</p:sld>
+</file>
+
+<file path=ppt/slides/slide9.xml><?xml version="1.0" encoding="utf-8"?>
+<p:sld xmlns:a="http://schemas.openxmlformats.org/drawingml/2006/main" xmlns:r="http://schemas.openxmlformats.org/officeDocument/2006/relationships" xmlns:p="http://schemas.openxmlformats.org/presentationml/2006/main">
+  <p:cSld>
+    <p:spTree>
+      <p:nvGrpSpPr>
+        <p:cNvPr id="1" name=""/>
+        <p:cNvGrpSpPr/>
+        <p:nvPr/>
+      </p:nvGrpSpPr>
+      <p:grpSpPr>
+        <a:xfrm>
+          <a:off x="0" y="0"/>
+          <a:ext cx="0" cy="0"/>
+          <a:chOff x="0" y="0"/>
+          <a:chExt cx="0" cy="0"/>
+        </a:xfrm>
+      </p:grpSpPr>
+      <p:sp>
+        <p:nvSpPr>
+          <p:cNvPr id="2" name="Title 1">
             <a:extLst>
               <a:ext uri="{FF2B5EF4-FFF2-40B4-BE49-F238E27FC236}">
-                <a16:creationId xmlns:a16="http://schemas.microsoft.com/office/drawing/2014/main" id="{4E98B246-8F54-4250-A7CE-C2BAFA189F3B}"/>
+                <a16:creationId xmlns:a16="http://schemas.microsoft.com/office/drawing/2014/main" id="{69887183-7C6E-4B7E-BBA4-3FD9F8020FF6}"/>
               </a:ext>
             </a:extLst>
           </p:cNvPr>
-          <p:cNvPicPr>
-            <a:picLocks noChangeAspect="1" noChangeArrowheads="1"/>
-          </p:cNvPicPr>
-          <p:nvPr/>
-        </p:nvPicPr>
-        <p:blipFill>
-          <a:blip r:embed="rId2">
-            <a:extLst>
-              <a:ext uri="{28A0092B-C50C-407E-A947-70E740481C1C}">
-                <a14:useLocalDpi xmlns:a14="http://schemas.microsoft.com/office/drawing/2010/main" val="0"/>
-              </a:ext>
-            </a:extLst>
-          </a:blip>
-          <a:srcRect/>
-          <a:stretch>
-            <a:fillRect/>
-          </a:stretch>
-        </p:blipFill>
-        <p:spPr bwMode="auto">
-          <a:xfrm>
-            <a:off x="7071577" y="1419445"/>
-            <a:ext cx="4440956" cy="3323705"/>
-          </a:xfrm>
-          <a:prstGeom prst="rect">
-            <a:avLst/>
-          </a:prstGeom>
-          <a:noFill/>
-          <a:extLst>
-            <a:ext uri="{909E8E84-426E-40DD-AFC4-6F175D3DCCD1}">
-              <a14:hiddenFill xmlns:a14="http://schemas.microsoft.com/office/drawing/2010/main">
-                <a:solidFill>
-                  <a:srgbClr val="FFFFFF"/>
-                </a:solidFill>
-              </a14:hiddenFill>
-            </a:ext>
-          </a:extLst>
-        </p:spPr>
-      </p:pic>
-      <p:pic>
-        <p:nvPicPr>
-          <p:cNvPr id="5" name="Picture 4">
+          <p:cNvSpPr>
+            <a:spLocks noGrp="1"/>
+          </p:cNvSpPr>
+          <p:nvPr>
+            <p:ph type="title"/>
+          </p:nvPr>
+        </p:nvSpPr>
+        <p:spPr/>
+        <p:txBody>
+          <a:bodyPr/>
+          <a:lstStyle/>
+          <a:p>
+            <a:r>
+              <a:rPr lang="en-US" dirty="0"/>
+              <a:t>Collecting data</a:t>
+            </a:r>
+          </a:p>
+        </p:txBody>
+      </p:sp>
+      <p:sp>
+        <p:nvSpPr>
+          <p:cNvPr id="3" name="Content Placeholder 2">
             <a:extLst>
               <a:ext uri="{FF2B5EF4-FFF2-40B4-BE49-F238E27FC236}">
-                <a16:creationId xmlns:a16="http://schemas.microsoft.com/office/drawing/2014/main" id="{491AB818-1249-4897-A664-E8EB363814E7}"/>
+                <a16:creationId xmlns:a16="http://schemas.microsoft.com/office/drawing/2014/main" id="{F9AF3012-36AE-47A1-8BE0-35054444B5E4}"/>
               </a:ext>
             </a:extLst>
           </p:cNvPr>
-          <p:cNvPicPr>
-            <a:picLocks noChangeAspect="1" noChangeArrowheads="1"/>
-          </p:cNvPicPr>
-          <p:nvPr/>
-        </p:nvPicPr>
-        <p:blipFill>
-          <a:blip r:embed="rId3">
-            <a:extLst>
-              <a:ext uri="{28A0092B-C50C-407E-A947-70E740481C1C}">
-                <a14:useLocalDpi xmlns:a14="http://schemas.microsoft.com/office/drawing/2010/main" val="0"/>
-              </a:ext>
-            </a:extLst>
-          </a:blip>
-          <a:srcRect/>
-          <a:stretch>
-            <a:fillRect/>
-          </a:stretch>
-        </p:blipFill>
-        <p:spPr bwMode="auto">
-          <a:xfrm>
-            <a:off x="1298592" y="3429000"/>
-            <a:ext cx="4457700" cy="3343275"/>
-          </a:xfrm>
-          <a:prstGeom prst="rect">
-            <a:avLst/>
-          </a:prstGeom>
-          <a:noFill/>
-          <a:extLst>
-            <a:ext uri="{909E8E84-426E-40DD-AFC4-6F175D3DCCD1}">
-              <a14:hiddenFill xmlns:a14="http://schemas.microsoft.com/office/drawing/2010/main">
-                <a:solidFill>
-                  <a:srgbClr val="FFFFFF"/>
-                </a:solidFill>
-              </a14:hiddenFill>
-            </a:ext>
-          </a:extLst>
-        </p:spPr>
-      </p:pic>
-      <p:pic>
-        <p:nvPicPr>
-          <p:cNvPr id="6" name="Picture 6">
-            <a:extLst>
-              <a:ext uri="{FF2B5EF4-FFF2-40B4-BE49-F238E27FC236}">
-                <a16:creationId xmlns:a16="http://schemas.microsoft.com/office/drawing/2014/main" id="{FC888C7C-F98C-4FF2-8425-940171A95DF8}"/>
-              </a:ext>
-            </a:extLst>
-          </p:cNvPr>
-          <p:cNvPicPr>
-            <a:picLocks noChangeAspect="1" noChangeArrowheads="1"/>
-          </p:cNvPicPr>
-          <p:nvPr/>
-        </p:nvPicPr>
-        <p:blipFill>
-          <a:blip r:embed="rId4">
-            <a:extLst>
-              <a:ext uri="{28A0092B-C50C-407E-A947-70E740481C1C}">
-                <a14:useLocalDpi xmlns:a14="http://schemas.microsoft.com/office/drawing/2010/main" val="0"/>
-              </a:ext>
-            </a:extLst>
-          </a:blip>
-          <a:srcRect/>
-          <a:stretch>
-            <a:fillRect/>
-          </a:stretch>
-        </p:blipFill>
-        <p:spPr bwMode="auto">
-          <a:xfrm>
-            <a:off x="2354598" y="1244781"/>
-            <a:ext cx="4208446" cy="3156335"/>
-          </a:xfrm>
-          <a:prstGeom prst="rect">
-            <a:avLst/>
-          </a:prstGeom>
-          <a:noFill/>
-          <a:extLst>
-            <a:ext uri="{909E8E84-426E-40DD-AFC4-6F175D3DCCD1}">
-              <a14:hiddenFill xmlns:a14="http://schemas.microsoft.com/office/drawing/2010/main">
-                <a:solidFill>
-                  <a:srgbClr val="FFFFFF"/>
-                </a:solidFill>
-              </a14:hiddenFill>
-            </a:ext>
-          </a:extLst>
-        </p:spPr>
-      </p:pic>
-      <p:pic>
-        <p:nvPicPr>
-          <p:cNvPr id="7" name="Picture 8">
-            <a:extLst>
-              <a:ext uri="{FF2B5EF4-FFF2-40B4-BE49-F238E27FC236}">
-                <a16:creationId xmlns:a16="http://schemas.microsoft.com/office/drawing/2014/main" id="{594307F0-4D38-4430-8779-83CA6C42ED73}"/>
-              </a:ext>
-            </a:extLst>
-          </p:cNvPr>
-          <p:cNvPicPr>
-            <a:picLocks noChangeAspect="1" noChangeArrowheads="1"/>
-          </p:cNvPicPr>
-          <p:nvPr/>
-        </p:nvPicPr>
-        <p:blipFill>
-          <a:blip r:embed="rId5">
-            <a:extLst>
-              <a:ext uri="{28A0092B-C50C-407E-A947-70E740481C1C}">
-                <a14:useLocalDpi xmlns:a14="http://schemas.microsoft.com/office/drawing/2010/main" val="0"/>
-              </a:ext>
-            </a:extLst>
-          </a:blip>
-          <a:srcRect/>
-          <a:stretch>
-            <a:fillRect/>
-          </a:stretch>
-        </p:blipFill>
-        <p:spPr bwMode="auto">
-          <a:xfrm>
-            <a:off x="679467" y="760666"/>
-            <a:ext cx="5076825" cy="6772275"/>
-          </a:xfrm>
-          <a:prstGeom prst="rect">
-            <a:avLst/>
-          </a:prstGeom>
-          <a:noFill/>
-          <a:extLst>
-            <a:ext uri="{909E8E84-426E-40DD-AFC4-6F175D3DCCD1}">
-              <a14:hiddenFill xmlns:a14="http://schemas.microsoft.com/office/drawing/2010/main">
-                <a:solidFill>
-                  <a:srgbClr val="FFFFFF"/>
-                </a:solidFill>
-              </a14:hiddenFill>
-            </a:ext>
-          </a:extLst>
-        </p:spPr>
-      </p:pic>
-      <p:pic>
-        <p:nvPicPr>
-          <p:cNvPr id="8" name="Picture 10">
-            <a:extLst>
-              <a:ext uri="{FF2B5EF4-FFF2-40B4-BE49-F238E27FC236}">
-                <a16:creationId xmlns:a16="http://schemas.microsoft.com/office/drawing/2014/main" id="{F5EDC8B0-D1A0-4AEA-B174-BA9B0C8FF856}"/>
-              </a:ext>
-            </a:extLst>
-          </p:cNvPr>
-          <p:cNvPicPr>
-            <a:picLocks noChangeAspect="1" noChangeArrowheads="1"/>
-          </p:cNvPicPr>
-          <p:nvPr/>
-        </p:nvPicPr>
-        <p:blipFill>
-          <a:blip r:embed="rId6">
-            <a:extLst>
-              <a:ext uri="{28A0092B-C50C-407E-A947-70E740481C1C}">
-                <a14:useLocalDpi xmlns:a14="http://schemas.microsoft.com/office/drawing/2010/main" val="0"/>
-              </a:ext>
-            </a:extLst>
-          </a:blip>
-          <a:srcRect/>
-          <a:stretch>
-            <a:fillRect/>
-          </a:stretch>
-        </p:blipFill>
-        <p:spPr bwMode="auto">
-          <a:xfrm>
-            <a:off x="3782889" y="4568989"/>
-            <a:ext cx="4626222" cy="3462362"/>
-          </a:xfrm>
-          <a:prstGeom prst="rect">
-            <a:avLst/>
-          </a:prstGeom>
-          <a:noFill/>
-          <a:extLst>
-            <a:ext uri="{909E8E84-426E-40DD-AFC4-6F175D3DCCD1}">
-              <a14:hiddenFill xmlns:a14="http://schemas.microsoft.com/office/drawing/2010/main">
-                <a:solidFill>
-                  <a:srgbClr val="FFFFFF"/>
-                </a:solidFill>
-              </a14:hiddenFill>
-            </a:ext>
-          </a:extLst>
-        </p:spPr>
-      </p:pic>
-      <p:pic>
-        <p:nvPicPr>
-          <p:cNvPr id="9" name="Picture 12">
-            <a:extLst>
-              <a:ext uri="{FF2B5EF4-FFF2-40B4-BE49-F238E27FC236}">
-                <a16:creationId xmlns:a16="http://schemas.microsoft.com/office/drawing/2014/main" id="{A072C3E1-3281-4BAB-8FBF-4DBA7ABA1CDD}"/>
-              </a:ext>
-            </a:extLst>
-          </p:cNvPr>
-          <p:cNvPicPr>
-            <a:picLocks noChangeAspect="1" noChangeArrowheads="1"/>
-          </p:cNvPicPr>
-          <p:nvPr/>
-        </p:nvPicPr>
-        <p:blipFill>
-          <a:blip r:embed="rId6">
-            <a:extLst>
-              <a:ext uri="{28A0092B-C50C-407E-A947-70E740481C1C}">
-                <a14:useLocalDpi xmlns:a14="http://schemas.microsoft.com/office/drawing/2010/main" val="0"/>
-              </a:ext>
-            </a:extLst>
-          </a:blip>
-          <a:srcRect/>
-          <a:stretch>
-            <a:fillRect/>
-          </a:stretch>
-        </p:blipFill>
-        <p:spPr bwMode="auto">
-          <a:xfrm>
-            <a:off x="7214957" y="5313145"/>
-            <a:ext cx="4626222" cy="3462362"/>
-          </a:xfrm>
-          <a:prstGeom prst="rect">
-            <a:avLst/>
-          </a:prstGeom>
-          <a:noFill/>
-          <a:extLst>
-            <a:ext uri="{909E8E84-426E-40DD-AFC4-6F175D3DCCD1}">
-              <a14:hiddenFill xmlns:a14="http://schemas.microsoft.com/office/drawing/2010/main">
-                <a:solidFill>
-                  <a:srgbClr val="FFFFFF"/>
-                </a:solidFill>
-              </a14:hiddenFill>
-            </a:ext>
-          </a:extLst>
-        </p:spPr>
-      </p:pic>
+          <p:cNvSpPr>
+            <a:spLocks noGrp="1"/>
+          </p:cNvSpPr>
+          <p:nvPr>
+            <p:ph idx="1"/>
+          </p:nvPr>
+        </p:nvSpPr>
+        <p:spPr/>
+        <p:txBody>
+          <a:bodyPr/>
+          <a:lstStyle/>
+          <a:p>
+            <a:r>
+              <a:rPr lang="en-US" dirty="0"/>
+              <a:t>1 Arduino Uno</a:t>
+            </a:r>
+          </a:p>
+          <a:p>
+            <a:endParaRPr lang="en-US" dirty="0"/>
+          </a:p>
+          <a:p>
+            <a:r>
+              <a:rPr lang="en-US" dirty="0"/>
+              <a:t>XXX Arduino wiring diagram here</a:t>
+            </a:r>
+          </a:p>
+          <a:p>
+            <a:endParaRPr lang="en-US" dirty="0"/>
+          </a:p>
+        </p:txBody>
+      </p:sp>
     </p:spTree>
     <p:extLst>
       <p:ext uri="{BB962C8B-B14F-4D97-AF65-F5344CB8AC3E}">
-        <p14:creationId xmlns:p14="http://schemas.microsoft.com/office/powerpoint/2010/main" val="4130858359"/>
+        <p14:creationId xmlns:p14="http://schemas.microsoft.com/office/powerpoint/2010/main" val="3782614420"/>
       </p:ext>
     </p:extLst>
   </p:cSld>
